--- a/SE495/Lectures/7-Organizational Development/Organizational Development.pptx
+++ b/SE495/Lectures/7-Organizational Development/Organizational Development.pptx
@@ -9397,7 +9397,7 @@
           <a:p>
             <a:fld id="{41DA9887-9249-49FD-809A-BACB264048C3}" type="datetimeFigureOut">
               <a:rPr lang="en-US" smtClean="0"/>
-              <a:t>2/17/2024</a:t>
+              <a:t>5/5/2024</a:t>
             </a:fld>
             <a:endParaRPr lang="en-US"/>
           </a:p>
@@ -9799,7 +9799,7 @@
           <a:p>
             <a:fld id="{EF213E56-3C1A-435A-851B-5B1F221C2038}" type="datetime1">
               <a:rPr lang="en-US" smtClean="0"/>
-              <a:t>2/17/2024</a:t>
+              <a:t>5/5/2024</a:t>
             </a:fld>
             <a:endParaRPr lang="en-US"/>
           </a:p>
@@ -10100,7 +10100,7 @@
           <a:p>
             <a:fld id="{B4696837-4851-4AA6-8AED-554226C981D1}" type="datetime1">
               <a:rPr lang="en-US" smtClean="0"/>
-              <a:t>2/17/2024</a:t>
+              <a:t>5/5/2024</a:t>
             </a:fld>
             <a:endParaRPr lang="en-US"/>
           </a:p>
@@ -10278,7 +10278,7 @@
           <a:p>
             <a:fld id="{BADD32E1-BB70-4827-BA33-FF5AFC435BE9}" type="datetime1">
               <a:rPr lang="en-US" smtClean="0"/>
-              <a:t>2/17/2024</a:t>
+              <a:t>5/5/2024</a:t>
             </a:fld>
             <a:endParaRPr lang="en-US"/>
           </a:p>
@@ -10521,7 +10521,7 @@
             </a:pPr>
             <a:fld id="{40B9EAF6-54F2-4DF5-9C6B-3F6F95B86356}" type="datetime1">
               <a:rPr lang="en-US" smtClean="0"/>
-              <a:t>2/17/2024</a:t>
+              <a:t>5/5/2024</a:t>
             </a:fld>
             <a:endParaRPr lang="en-US"/>
           </a:p>
@@ -10701,7 +10701,7 @@
             </a:pPr>
             <a:fld id="{D3D64A56-6FF4-479A-8655-719A18A98C4B}" type="datetime1">
               <a:rPr lang="en-US" smtClean="0"/>
-              <a:t>2/17/2024</a:t>
+              <a:t>5/5/2024</a:t>
             </a:fld>
             <a:endParaRPr lang="en-US"/>
           </a:p>
@@ -10982,7 +10982,7 @@
           <a:p>
             <a:fld id="{BB961044-FC46-4CBC-9061-59528F4899F3}" type="datetime1">
               <a:rPr lang="en-US" smtClean="0"/>
-              <a:t>2/17/2024</a:t>
+              <a:t>5/5/2024</a:t>
             </a:fld>
             <a:endParaRPr lang="en-US"/>
           </a:p>
@@ -11332,7 +11332,7 @@
           <a:p>
             <a:fld id="{4466A08C-77F3-471E-A5C4-1D2068144BAC}" type="datetime1">
               <a:rPr lang="en-US" smtClean="0"/>
-              <a:t>2/17/2024</a:t>
+              <a:t>5/5/2024</a:t>
             </a:fld>
             <a:endParaRPr lang="en-US"/>
           </a:p>
@@ -11561,7 +11561,7 @@
           <a:p>
             <a:fld id="{B90A7AD1-16F4-44C3-AE32-24C59A599E9D}" type="datetime1">
               <a:rPr lang="en-US" smtClean="0"/>
-              <a:t>2/17/2024</a:t>
+              <a:t>5/5/2024</a:t>
             </a:fld>
             <a:endParaRPr lang="en-US"/>
           </a:p>
@@ -11925,7 +11925,7 @@
           <a:p>
             <a:fld id="{B583DB4F-4316-4DF5-A229-BC1D787C82A0}" type="datetime1">
               <a:rPr lang="en-US" smtClean="0"/>
-              <a:t>2/17/2024</a:t>
+              <a:t>5/5/2024</a:t>
             </a:fld>
             <a:endParaRPr lang="en-US"/>
           </a:p>
@@ -12020,7 +12020,7 @@
           <a:p>
             <a:fld id="{AE6064B7-7A9F-432D-B7B9-6824267AA574}" type="datetime1">
               <a:rPr lang="en-US" smtClean="0"/>
-              <a:t>2/17/2024</a:t>
+              <a:t>5/5/2024</a:t>
             </a:fld>
             <a:endParaRPr lang="en-US"/>
           </a:p>
@@ -12245,7 +12245,7 @@
             <a:fld id="{B2F5E2FA-C428-4CE7-95B0-168D3259A5BB}" type="datetimeFigureOut">
               <a:rPr lang="en-US" smtClean="0"/>
               <a:pPr/>
-              <a:t>2/17/2024</a:t>
+              <a:t>5/5/2024</a:t>
             </a:fld>
             <a:endParaRPr lang="en-US"/>
           </a:p>
@@ -12422,7 +12422,7 @@
           <a:p>
             <a:fld id="{4E1C93A2-B712-486A-8AB5-D41B95D547BE}" type="datetime1">
               <a:rPr lang="en-US" smtClean="0"/>
-              <a:t>2/17/2024</a:t>
+              <a:t>5/5/2024</a:t>
             </a:fld>
             <a:endParaRPr lang="en-US"/>
           </a:p>
@@ -12697,7 +12697,7 @@
           <a:p>
             <a:fld id="{CAB2F318-F19F-4608-B7EF-F7FB8A482213}" type="datetime1">
               <a:rPr lang="en-US" smtClean="0"/>
-              <a:t>2/17/2024</a:t>
+              <a:t>5/5/2024</a:t>
             </a:fld>
             <a:endParaRPr lang="en-US"/>
           </a:p>
@@ -12949,7 +12949,7 @@
           <a:p>
             <a:fld id="{BB9CEF8C-69D6-4C3E-B892-F682F307A7B6}" type="datetime1">
               <a:rPr lang="en-US" smtClean="0"/>
-              <a:t>2/17/2024</a:t>
+              <a:t>5/5/2024</a:t>
             </a:fld>
             <a:endParaRPr lang="en-US"/>
           </a:p>
@@ -13160,7 +13160,7 @@
           <a:p>
             <a:fld id="{FB737C73-4A31-4C17-AFB7-7B8470027787}" type="datetime1">
               <a:rPr lang="en-US" smtClean="0"/>
-              <a:t>2/17/2024</a:t>
+              <a:t>5/5/2024</a:t>
             </a:fld>
             <a:endParaRPr lang="en-US"/>
           </a:p>
@@ -22576,31 +22576,31 @@
           <a:p>
             <a:r>
               <a:rPr lang="en-US" dirty="0"/>
-              <a:t>Stage 1: Start-up</a:t>
-            </a:r>
-          </a:p>
-          <a:p>
-            <a:r>
-              <a:rPr lang="en-US" dirty="0"/>
-              <a:t>Stage 2: Growth</a:t>
-            </a:r>
-          </a:p>
-          <a:p>
-            <a:r>
-              <a:rPr lang="en-US" dirty="0"/>
-              <a:t>Stage 3: Maturity</a:t>
-            </a:r>
-          </a:p>
-          <a:p>
-            <a:r>
-              <a:rPr lang="en-US" dirty="0"/>
-              <a:t>Stage 4: Renewal</a:t>
-            </a:r>
-          </a:p>
-          <a:p>
-            <a:r>
-              <a:rPr lang="en-US" dirty="0"/>
-              <a:t>Stage 5: Transformation</a:t>
+              <a:t>Stage 1: Start-up (Entrepreneurial, adaptive, and hands-on)</a:t>
+            </a:r>
+          </a:p>
+          <a:p>
+            <a:r>
+              <a:rPr lang="en-US" dirty="0"/>
+              <a:t>Stage 2: Growth (Visionary, strategic, and delegative)</a:t>
+            </a:r>
+          </a:p>
+          <a:p>
+            <a:r>
+              <a:rPr lang="en-US" dirty="0"/>
+              <a:t>Stage 3: Maturity ( Strategic, operational, and bureaucratic)</a:t>
+            </a:r>
+          </a:p>
+          <a:p>
+            <a:r>
+              <a:rPr lang="en-US" dirty="0"/>
+              <a:t>Stage 4: Renewal (Transformative, innovative, and adaptive)</a:t>
+            </a:r>
+          </a:p>
+          <a:p>
+            <a:r>
+              <a:rPr lang="en-US" dirty="0"/>
+              <a:t>Stage 5: Transformation (Visionary, courageous, and empowering)</a:t>
             </a:r>
           </a:p>
           <a:p>
@@ -22638,51 +22638,6 @@
           </a:p>
         </p:txBody>
       </p:sp>
-      <p:pic>
-        <p:nvPicPr>
-          <p:cNvPr id="1026" name="Picture 2" descr="Organizational Life Cycle: Definition, Models, and Stages - AIHR">
-            <a:extLst>
-              <a:ext uri="{FF2B5EF4-FFF2-40B4-BE49-F238E27FC236}">
-                <a16:creationId xmlns:a16="http://schemas.microsoft.com/office/drawing/2014/main" id="{5150B41C-A302-46EE-B734-DD4FA42F13EF}"/>
-              </a:ext>
-            </a:extLst>
-          </p:cNvPr>
-          <p:cNvPicPr>
-            <a:picLocks noChangeAspect="1" noChangeArrowheads="1"/>
-          </p:cNvPicPr>
-          <p:nvPr/>
-        </p:nvPicPr>
-        <p:blipFill rotWithShape="1">
-          <a:blip r:embed="rId2">
-            <a:extLst>
-              <a:ext uri="{28A0092B-C50C-407E-A947-70E740481C1C}">
-                <a14:useLocalDpi xmlns:a14="http://schemas.microsoft.com/office/drawing/2010/main" val="0"/>
-              </a:ext>
-            </a:extLst>
-          </a:blip>
-          <a:srcRect l="11026" t="14373" r="19192" b="12351"/>
-          <a:stretch/>
-        </p:blipFill>
-        <p:spPr bwMode="auto">
-          <a:xfrm>
-            <a:off x="5830926" y="1852378"/>
-            <a:ext cx="6167365" cy="4300593"/>
-          </a:xfrm>
-          <a:prstGeom prst="rect">
-            <a:avLst/>
-          </a:prstGeom>
-          <a:noFill/>
-          <a:extLst>
-            <a:ext uri="{909E8E84-426E-40DD-AFC4-6F175D3DCCD1}">
-              <a14:hiddenFill xmlns:a14="http://schemas.microsoft.com/office/drawing/2010/main">
-                <a:solidFill>
-                  <a:srgbClr val="FFFFFF"/>
-                </a:solidFill>
-              </a14:hiddenFill>
-            </a:ext>
-          </a:extLst>
-        </p:spPr>
-      </p:pic>
     </p:spTree>
     <p:extLst>
       <p:ext uri="{BB962C8B-B14F-4D97-AF65-F5344CB8AC3E}">
